--- a/RTSS15/Paper/RTSS15_Paper/figures/senseActuate.pptx
+++ b/RTSS15/Paper/RTSS15_Paper/figures/senseActuate.pptx
@@ -9,7 +9,7 @@
     <p:sldId id="257" r:id="rId3"/>
   </p:sldIdLst>
   <p:sldSz cx="9144000" cy="6858000" type="screen4x3"/>
-  <p:notesSz cx="6858000" cy="9144000"/>
+  <p:notesSz cx="7315200" cy="9601200"/>
   <p:defaultTextStyle>
     <a:defPPr>
       <a:defRPr lang="en-US"/>
@@ -289,7 +289,7 @@
           <a:p>
             <a:fld id="{6438B9B7-B47A-9D4E-9850-8371A0E3764C}" type="datetimeFigureOut">
               <a:rPr lang="en-US" smtClean="0"/>
-              <a:t>5/8/15</a:t>
+              <a:t>5/15/2015</a:t>
             </a:fld>
             <a:endParaRPr lang="en-US"/>
           </a:p>
@@ -459,7 +459,7 @@
           <a:p>
             <a:fld id="{6438B9B7-B47A-9D4E-9850-8371A0E3764C}" type="datetimeFigureOut">
               <a:rPr lang="en-US" smtClean="0"/>
-              <a:t>5/8/15</a:t>
+              <a:t>5/15/2015</a:t>
             </a:fld>
             <a:endParaRPr lang="en-US"/>
           </a:p>
@@ -639,7 +639,7 @@
           <a:p>
             <a:fld id="{6438B9B7-B47A-9D4E-9850-8371A0E3764C}" type="datetimeFigureOut">
               <a:rPr lang="en-US" smtClean="0"/>
-              <a:t>5/8/15</a:t>
+              <a:t>5/15/2015</a:t>
             </a:fld>
             <a:endParaRPr lang="en-US"/>
           </a:p>
@@ -809,7 +809,7 @@
           <a:p>
             <a:fld id="{6438B9B7-B47A-9D4E-9850-8371A0E3764C}" type="datetimeFigureOut">
               <a:rPr lang="en-US" smtClean="0"/>
-              <a:t>5/8/15</a:t>
+              <a:t>5/15/2015</a:t>
             </a:fld>
             <a:endParaRPr lang="en-US"/>
           </a:p>
@@ -1055,7 +1055,7 @@
           <a:p>
             <a:fld id="{6438B9B7-B47A-9D4E-9850-8371A0E3764C}" type="datetimeFigureOut">
               <a:rPr lang="en-US" smtClean="0"/>
-              <a:t>5/8/15</a:t>
+              <a:t>5/15/2015</a:t>
             </a:fld>
             <a:endParaRPr lang="en-US"/>
           </a:p>
@@ -1343,7 +1343,7 @@
           <a:p>
             <a:fld id="{6438B9B7-B47A-9D4E-9850-8371A0E3764C}" type="datetimeFigureOut">
               <a:rPr lang="en-US" smtClean="0"/>
-              <a:t>5/8/15</a:t>
+              <a:t>5/15/2015</a:t>
             </a:fld>
             <a:endParaRPr lang="en-US"/>
           </a:p>
@@ -1765,7 +1765,7 @@
           <a:p>
             <a:fld id="{6438B9B7-B47A-9D4E-9850-8371A0E3764C}" type="datetimeFigureOut">
               <a:rPr lang="en-US" smtClean="0"/>
-              <a:t>5/8/15</a:t>
+              <a:t>5/15/2015</a:t>
             </a:fld>
             <a:endParaRPr lang="en-US"/>
           </a:p>
@@ -1883,7 +1883,7 @@
           <a:p>
             <a:fld id="{6438B9B7-B47A-9D4E-9850-8371A0E3764C}" type="datetimeFigureOut">
               <a:rPr lang="en-US" smtClean="0"/>
-              <a:t>5/8/15</a:t>
+              <a:t>5/15/2015</a:t>
             </a:fld>
             <a:endParaRPr lang="en-US"/>
           </a:p>
@@ -1978,7 +1978,7 @@
           <a:p>
             <a:fld id="{6438B9B7-B47A-9D4E-9850-8371A0E3764C}" type="datetimeFigureOut">
               <a:rPr lang="en-US" smtClean="0"/>
-              <a:t>5/8/15</a:t>
+              <a:t>5/15/2015</a:t>
             </a:fld>
             <a:endParaRPr lang="en-US"/>
           </a:p>
@@ -2255,7 +2255,7 @@
           <a:p>
             <a:fld id="{6438B9B7-B47A-9D4E-9850-8371A0E3764C}" type="datetimeFigureOut">
               <a:rPr lang="en-US" smtClean="0"/>
-              <a:t>5/8/15</a:t>
+              <a:t>5/15/2015</a:t>
             </a:fld>
             <a:endParaRPr lang="en-US"/>
           </a:p>
@@ -2508,7 +2508,7 @@
           <a:p>
             <a:fld id="{6438B9B7-B47A-9D4E-9850-8371A0E3764C}" type="datetimeFigureOut">
               <a:rPr lang="en-US" smtClean="0"/>
-              <a:t>5/8/15</a:t>
+              <a:t>5/15/2015</a:t>
             </a:fld>
             <a:endParaRPr lang="en-US"/>
           </a:p>
@@ -2721,7 +2721,7 @@
           <a:p>
             <a:fld id="{6438B9B7-B47A-9D4E-9850-8371A0E3764C}" type="datetimeFigureOut">
               <a:rPr lang="en-US" smtClean="0"/>
-              <a:t>5/8/15</a:t>
+              <a:t>5/15/2015</a:t>
             </a:fld>
             <a:endParaRPr lang="en-US"/>
           </a:p>
@@ -3105,7 +3105,7 @@
         <p:spPr>
           <a:xfrm>
             <a:off x="1119654" y="4656439"/>
-            <a:ext cx="1814230" cy="643370"/>
+            <a:ext cx="1657450" cy="643370"/>
           </a:xfrm>
           <a:prstGeom prst="rect">
             <a:avLst/>
@@ -3181,6 +3181,310 @@
           <a:ln>
             <a:solidFill>
               <a:schemeClr val="tx1"/>
+            </a:solidFill>
+            <a:tailEnd type="arrow"/>
+          </a:ln>
+        </p:spPr>
+        <p:style>
+          <a:lnRef idx="2">
+            <a:schemeClr val="accent1"/>
+          </a:lnRef>
+          <a:fillRef idx="0">
+            <a:schemeClr val="accent1"/>
+          </a:fillRef>
+          <a:effectRef idx="1">
+            <a:schemeClr val="accent1"/>
+          </a:effectRef>
+          <a:fontRef idx="minor">
+            <a:schemeClr val="tx1"/>
+          </a:fontRef>
+        </p:style>
+      </p:cxnSp>
+      <p:cxnSp>
+        <p:nvCxnSpPr>
+          <p:cNvPr id="18" name="Straight Arrow Connector 17"/>
+          <p:cNvCxnSpPr/>
+          <p:nvPr/>
+        </p:nvCxnSpPr>
+        <p:spPr>
+          <a:xfrm>
+            <a:off x="1119654" y="4295802"/>
+            <a:ext cx="6540" cy="999114"/>
+          </a:xfrm>
+          <a:prstGeom prst="straightConnector1">
+            <a:avLst/>
+          </a:prstGeom>
+          <a:ln>
+            <a:solidFill>
+              <a:srgbClr val="000000"/>
+            </a:solidFill>
+            <a:tailEnd type="arrow"/>
+          </a:ln>
+        </p:spPr>
+        <p:style>
+          <a:lnRef idx="2">
+            <a:schemeClr val="accent1"/>
+          </a:lnRef>
+          <a:fillRef idx="0">
+            <a:schemeClr val="accent1"/>
+          </a:fillRef>
+          <a:effectRef idx="1">
+            <a:schemeClr val="accent1"/>
+          </a:effectRef>
+          <a:fontRef idx="minor">
+            <a:schemeClr val="tx1"/>
+          </a:fontRef>
+        </p:style>
+      </p:cxnSp>
+      <p:sp>
+        <p:nvSpPr>
+          <p:cNvPr id="20" name="TextBox 19"/>
+          <p:cNvSpPr txBox="1"/>
+          <p:nvPr/>
+        </p:nvSpPr>
+        <p:spPr>
+          <a:xfrm>
+            <a:off x="858143" y="3799671"/>
+            <a:ext cx="1332821" cy="461665"/>
+          </a:xfrm>
+          <a:prstGeom prst="rect">
+            <a:avLst/>
+          </a:prstGeom>
+          <a:noFill/>
+        </p:spPr>
+        <p:txBody>
+          <a:bodyPr wrap="square" rtlCol="0">
+            <a:spAutoFit/>
+          </a:bodyPr>
+          <a:lstStyle/>
+          <a:p>
+            <a:r>
+              <a:rPr lang="en-US" sz="2400" dirty="0" smtClean="0"/>
+              <a:t>SENSE</a:t>
+            </a:r>
+            <a:endParaRPr lang="en-US" sz="2400" dirty="0"/>
+          </a:p>
+        </p:txBody>
+      </p:sp>
+      <p:sp>
+        <p:nvSpPr>
+          <p:cNvPr id="24" name="TextBox 23"/>
+          <p:cNvSpPr txBox="1"/>
+          <p:nvPr/>
+        </p:nvSpPr>
+        <p:spPr>
+          <a:xfrm>
+            <a:off x="3531601" y="3767014"/>
+            <a:ext cx="1332821" cy="461665"/>
+          </a:xfrm>
+          <a:prstGeom prst="rect">
+            <a:avLst/>
+          </a:prstGeom>
+          <a:noFill/>
+        </p:spPr>
+        <p:txBody>
+          <a:bodyPr wrap="square" rtlCol="0">
+            <a:spAutoFit/>
+          </a:bodyPr>
+          <a:lstStyle/>
+          <a:p>
+            <a:r>
+              <a:rPr lang="en-US" sz="2400" dirty="0" smtClean="0"/>
+              <a:t>SENSE</a:t>
+            </a:r>
+            <a:endParaRPr lang="en-US" sz="2400" dirty="0"/>
+          </a:p>
+        </p:txBody>
+      </p:sp>
+      <p:sp>
+        <p:nvSpPr>
+          <p:cNvPr id="25" name="Rectangle 24"/>
+          <p:cNvSpPr/>
+          <p:nvPr/>
+        </p:nvSpPr>
+        <p:spPr>
+          <a:xfrm>
+            <a:off x="3796158" y="4656438"/>
+            <a:ext cx="2066055" cy="638477"/>
+          </a:xfrm>
+          <a:prstGeom prst="rect">
+            <a:avLst/>
+          </a:prstGeom>
+          <a:solidFill>
+            <a:schemeClr val="bg2"/>
+          </a:solidFill>
+          <a:ln>
+            <a:solidFill>
+              <a:srgbClr val="000000"/>
+            </a:solidFill>
+          </a:ln>
+        </p:spPr>
+        <p:style>
+          <a:lnRef idx="1">
+            <a:schemeClr val="accent1"/>
+          </a:lnRef>
+          <a:fillRef idx="3">
+            <a:schemeClr val="accent1"/>
+          </a:fillRef>
+          <a:effectRef idx="2">
+            <a:schemeClr val="accent1"/>
+          </a:effectRef>
+          <a:fontRef idx="minor">
+            <a:schemeClr val="lt1"/>
+          </a:fontRef>
+        </p:style>
+        <p:txBody>
+          <a:bodyPr rtlCol="0" anchor="ctr"/>
+          <a:lstStyle/>
+          <a:p>
+            <a:pPr algn="ctr"/>
+            <a:r>
+              <a:rPr lang="en-US" sz="2400" dirty="0" smtClean="0">
+                <a:ln>
+                  <a:solidFill>
+                    <a:schemeClr val="tx1"/>
+                  </a:solidFill>
+                </a:ln>
+                <a:solidFill>
+                  <a:schemeClr val="tx1"/>
+                </a:solidFill>
+              </a:rPr>
+              <a:t>ESTIMATOR</a:t>
+            </a:r>
+            <a:endParaRPr lang="en-US" sz="2400" dirty="0">
+              <a:ln>
+                <a:solidFill>
+                  <a:schemeClr val="tx1"/>
+                </a:solidFill>
+              </a:ln>
+              <a:solidFill>
+                <a:schemeClr val="tx1"/>
+              </a:solidFill>
+            </a:endParaRPr>
+          </a:p>
+        </p:txBody>
+      </p:sp>
+      <p:sp>
+        <p:nvSpPr>
+          <p:cNvPr id="26" name="TextBox 25"/>
+          <p:cNvSpPr txBox="1"/>
+          <p:nvPr/>
+        </p:nvSpPr>
+        <p:spPr>
+          <a:xfrm>
+            <a:off x="7838853" y="5380692"/>
+            <a:ext cx="360586" cy="461665"/>
+          </a:xfrm>
+          <a:prstGeom prst="rect">
+            <a:avLst/>
+          </a:prstGeom>
+          <a:noFill/>
+        </p:spPr>
+        <p:txBody>
+          <a:bodyPr wrap="square" rtlCol="0">
+            <a:spAutoFit/>
+          </a:bodyPr>
+          <a:lstStyle/>
+          <a:p>
+            <a:r>
+              <a:rPr lang="en-US" sz="2400" i="1" dirty="0" smtClean="0"/>
+              <a:t>t</a:t>
+            </a:r>
+            <a:endParaRPr lang="en-US" sz="2400" i="1" dirty="0"/>
+          </a:p>
+        </p:txBody>
+      </p:sp>
+      <p:cxnSp>
+        <p:nvCxnSpPr>
+          <p:cNvPr id="22" name="Straight Arrow Connector 21"/>
+          <p:cNvCxnSpPr/>
+          <p:nvPr/>
+        </p:nvCxnSpPr>
+        <p:spPr>
+          <a:xfrm>
+            <a:off x="3796158" y="4234539"/>
+            <a:ext cx="1" cy="1060377"/>
+          </a:xfrm>
+          <a:prstGeom prst="straightConnector1">
+            <a:avLst/>
+          </a:prstGeom>
+          <a:ln>
+            <a:solidFill>
+              <a:srgbClr val="000000"/>
+            </a:solidFill>
+            <a:tailEnd type="arrow"/>
+          </a:ln>
+        </p:spPr>
+        <p:style>
+          <a:lnRef idx="2">
+            <a:schemeClr val="accent1"/>
+          </a:lnRef>
+          <a:fillRef idx="0">
+            <a:schemeClr val="accent1"/>
+          </a:fillRef>
+          <a:effectRef idx="1">
+            <a:schemeClr val="accent1"/>
+          </a:effectRef>
+          <a:fontRef idx="minor">
+            <a:schemeClr val="tx1"/>
+          </a:fontRef>
+        </p:style>
+      </p:cxnSp>
+      <p:sp>
+        <p:nvSpPr>
+          <p:cNvPr id="10" name="Rectangle 9"/>
+          <p:cNvSpPr/>
+          <p:nvPr/>
+        </p:nvSpPr>
+        <p:spPr>
+          <a:xfrm>
+            <a:off x="2781480" y="4656439"/>
+            <a:ext cx="222507" cy="627690"/>
+          </a:xfrm>
+          <a:prstGeom prst="rect">
+            <a:avLst/>
+          </a:prstGeom>
+        </p:spPr>
+        <p:style>
+          <a:lnRef idx="1">
+            <a:schemeClr val="accent1"/>
+          </a:lnRef>
+          <a:fillRef idx="3">
+            <a:schemeClr val="accent1"/>
+          </a:fillRef>
+          <a:effectRef idx="2">
+            <a:schemeClr val="accent1"/>
+          </a:effectRef>
+          <a:fontRef idx="minor">
+            <a:schemeClr val="lt1"/>
+          </a:fontRef>
+        </p:style>
+        <p:txBody>
+          <a:bodyPr rtlCol="0" anchor="ctr"/>
+          <a:lstStyle/>
+          <a:p>
+            <a:pPr algn="ctr"/>
+            <a:endParaRPr lang="en-US"/>
+          </a:p>
+        </p:txBody>
+      </p:sp>
+      <p:cxnSp>
+        <p:nvCxnSpPr>
+          <p:cNvPr id="27" name="Straight Arrow Connector 26"/>
+          <p:cNvCxnSpPr/>
+          <p:nvPr/>
+        </p:nvCxnSpPr>
+        <p:spPr>
+          <a:xfrm>
+            <a:off x="6495437" y="4234539"/>
+            <a:ext cx="22218" cy="1071259"/>
+          </a:xfrm>
+          <a:prstGeom prst="straightConnector1">
+            <a:avLst/>
+          </a:prstGeom>
+          <a:ln>
+            <a:solidFill>
+              <a:srgbClr val="000000"/>
             </a:solidFill>
             <a:tailEnd type="arrow"/>
           </a:ln>
@@ -3207,9 +3511,9 @@
           <p:nvPr/>
         </p:nvCxnSpPr>
         <p:spPr>
-          <a:xfrm>
-            <a:off x="2949562" y="5284129"/>
-            <a:ext cx="0" cy="878075"/>
+          <a:xfrm flipV="1">
+            <a:off x="3003987" y="4223657"/>
+            <a:ext cx="0" cy="1060472"/>
           </a:xfrm>
           <a:prstGeom prst="straightConnector1">
             <a:avLst/>
@@ -3236,16 +3540,392 @@
           </a:fontRef>
         </p:style>
       </p:cxnSp>
+      <p:sp>
+        <p:nvSpPr>
+          <p:cNvPr id="28" name="Rectangle 27"/>
+          <p:cNvSpPr/>
+          <p:nvPr/>
+        </p:nvSpPr>
+        <p:spPr>
+          <a:xfrm>
+            <a:off x="5862214" y="4656435"/>
+            <a:ext cx="222507" cy="627690"/>
+          </a:xfrm>
+          <a:prstGeom prst="rect">
+            <a:avLst/>
+          </a:prstGeom>
+        </p:spPr>
+        <p:style>
+          <a:lnRef idx="1">
+            <a:schemeClr val="accent1"/>
+          </a:lnRef>
+          <a:fillRef idx="3">
+            <a:schemeClr val="accent1"/>
+          </a:fillRef>
+          <a:effectRef idx="2">
+            <a:schemeClr val="accent1"/>
+          </a:effectRef>
+          <a:fontRef idx="minor">
+            <a:schemeClr val="lt1"/>
+          </a:fontRef>
+        </p:style>
+        <p:txBody>
+          <a:bodyPr rtlCol="0" anchor="ctr"/>
+          <a:lstStyle/>
+          <a:p>
+            <a:pPr algn="ctr"/>
+            <a:endParaRPr lang="en-US"/>
+          </a:p>
+        </p:txBody>
+      </p:sp>
+      <p:sp>
+        <p:nvSpPr>
+          <p:cNvPr id="29" name="TextBox 28"/>
+          <p:cNvSpPr txBox="1"/>
+          <p:nvPr/>
+        </p:nvSpPr>
+        <p:spPr>
+          <a:xfrm>
+            <a:off x="6327555" y="3804134"/>
+            <a:ext cx="1332821" cy="461665"/>
+          </a:xfrm>
+          <a:prstGeom prst="rect">
+            <a:avLst/>
+          </a:prstGeom>
+          <a:noFill/>
+        </p:spPr>
+        <p:txBody>
+          <a:bodyPr wrap="square" rtlCol="0">
+            <a:spAutoFit/>
+          </a:bodyPr>
+          <a:lstStyle/>
+          <a:p>
+            <a:r>
+              <a:rPr lang="en-US" sz="2400" dirty="0" smtClean="0"/>
+              <a:t>SENSE</a:t>
+            </a:r>
+            <a:endParaRPr lang="en-US" sz="2400" dirty="0"/>
+          </a:p>
+        </p:txBody>
+      </p:sp>
+      <p:sp>
+        <p:nvSpPr>
+          <p:cNvPr id="11" name="TextBox 10"/>
+          <p:cNvSpPr txBox="1"/>
+          <p:nvPr/>
+        </p:nvSpPr>
+        <p:spPr>
+          <a:xfrm>
+            <a:off x="2460171" y="1730829"/>
+            <a:ext cx="1313770" cy="369332"/>
+          </a:xfrm>
+          <a:prstGeom prst="rect">
+            <a:avLst/>
+          </a:prstGeom>
+          <a:noFill/>
+        </p:spPr>
+        <p:txBody>
+          <a:bodyPr wrap="square" rtlCol="0">
+            <a:spAutoFit/>
+          </a:bodyPr>
+          <a:lstStyle/>
+          <a:p>
+            <a:r>
+              <a:rPr lang="en-US" dirty="0" smtClean="0"/>
+              <a:t>ACTUATE</a:t>
+            </a:r>
+            <a:endParaRPr lang="en-US" dirty="0"/>
+          </a:p>
+        </p:txBody>
+      </p:sp>
+      <p:sp>
+        <p:nvSpPr>
+          <p:cNvPr id="30" name="TextBox 29"/>
+          <p:cNvSpPr txBox="1"/>
+          <p:nvPr/>
+        </p:nvSpPr>
+        <p:spPr>
+          <a:xfrm>
+            <a:off x="1959265" y="3799912"/>
+            <a:ext cx="1332821" cy="461665"/>
+          </a:xfrm>
+          <a:prstGeom prst="rect">
+            <a:avLst/>
+          </a:prstGeom>
+          <a:noFill/>
+        </p:spPr>
+        <p:txBody>
+          <a:bodyPr wrap="square" rtlCol="0">
+            <a:spAutoFit/>
+          </a:bodyPr>
+          <a:lstStyle/>
+          <a:p>
+            <a:r>
+              <a:rPr lang="en-US" sz="2400" dirty="0" smtClean="0"/>
+              <a:t>ACTUATE</a:t>
+            </a:r>
+            <a:endParaRPr lang="en-US" sz="2400" dirty="0"/>
+          </a:p>
+        </p:txBody>
+      </p:sp>
+      <p:sp>
+        <p:nvSpPr>
+          <p:cNvPr id="31" name="TextBox 30"/>
+          <p:cNvSpPr txBox="1"/>
+          <p:nvPr/>
+        </p:nvSpPr>
+        <p:spPr>
+          <a:xfrm>
+            <a:off x="5031992" y="3808165"/>
+            <a:ext cx="1332821" cy="461665"/>
+          </a:xfrm>
+          <a:prstGeom prst="rect">
+            <a:avLst/>
+          </a:prstGeom>
+          <a:noFill/>
+        </p:spPr>
+        <p:txBody>
+          <a:bodyPr wrap="square" rtlCol="0">
+            <a:spAutoFit/>
+          </a:bodyPr>
+          <a:lstStyle/>
+          <a:p>
+            <a:r>
+              <a:rPr lang="en-US" sz="2400" dirty="0" smtClean="0"/>
+              <a:t>ACTUATE</a:t>
+            </a:r>
+            <a:endParaRPr lang="en-US" sz="2400" dirty="0"/>
+          </a:p>
+        </p:txBody>
+      </p:sp>
+      <p:sp>
+        <p:nvSpPr>
+          <p:cNvPr id="13" name="TextBox 12"/>
+          <p:cNvSpPr txBox="1"/>
+          <p:nvPr/>
+        </p:nvSpPr>
+        <p:spPr>
+          <a:xfrm>
+            <a:off x="988776" y="5300684"/>
+            <a:ext cx="666410" cy="461665"/>
+          </a:xfrm>
+          <a:prstGeom prst="rect">
+            <a:avLst/>
+          </a:prstGeom>
+          <a:noFill/>
+        </p:spPr>
+        <p:txBody>
+          <a:bodyPr wrap="square" rtlCol="0">
+            <a:spAutoFit/>
+          </a:bodyPr>
+          <a:lstStyle/>
+          <a:p>
+            <a:r>
+              <a:rPr lang="en-US" sz="2400" dirty="0" err="1" smtClean="0"/>
+              <a:t>t</a:t>
+            </a:r>
+            <a:r>
+              <a:rPr lang="en-US" sz="2400" baseline="-25000" dirty="0" err="1" smtClean="0"/>
+              <a:t>k</a:t>
+            </a:r>
+            <a:endParaRPr lang="en-US" baseline="-25000" dirty="0"/>
+          </a:p>
+        </p:txBody>
+      </p:sp>
+      <p:sp>
+        <p:nvSpPr>
+          <p:cNvPr id="32" name="TextBox 31"/>
+          <p:cNvSpPr txBox="1"/>
+          <p:nvPr/>
+        </p:nvSpPr>
+        <p:spPr>
+          <a:xfrm>
+            <a:off x="3641657" y="5292954"/>
+            <a:ext cx="1242793" cy="461665"/>
+          </a:xfrm>
+          <a:prstGeom prst="rect">
+            <a:avLst/>
+          </a:prstGeom>
+          <a:noFill/>
+        </p:spPr>
+        <p:txBody>
+          <a:bodyPr wrap="square" rtlCol="0">
+            <a:spAutoFit/>
+          </a:bodyPr>
+          <a:lstStyle/>
+          <a:p>
+            <a:r>
+              <a:rPr lang="en-US" sz="2400" dirty="0" smtClean="0"/>
+              <a:t>t</a:t>
+            </a:r>
+            <a:r>
+              <a:rPr lang="en-US" sz="2400" baseline="-25000" dirty="0" smtClean="0"/>
+              <a:t>k+1</a:t>
+            </a:r>
+            <a:endParaRPr lang="en-US" sz="2400" baseline="-25000" dirty="0"/>
+          </a:p>
+        </p:txBody>
+      </p:sp>
+      <p:sp>
+        <p:nvSpPr>
+          <p:cNvPr id="33" name="TextBox 32"/>
+          <p:cNvSpPr txBox="1"/>
+          <p:nvPr/>
+        </p:nvSpPr>
+        <p:spPr>
+          <a:xfrm>
+            <a:off x="6840524" y="6293746"/>
+            <a:ext cx="1242793" cy="461665"/>
+          </a:xfrm>
+          <a:prstGeom prst="rect">
+            <a:avLst/>
+          </a:prstGeom>
+          <a:noFill/>
+        </p:spPr>
+        <p:txBody>
+          <a:bodyPr wrap="square" rtlCol="0">
+            <a:spAutoFit/>
+          </a:bodyPr>
+          <a:lstStyle/>
+          <a:p>
+            <a:r>
+              <a:rPr lang="en-US" sz="2400" dirty="0" smtClean="0"/>
+              <a:t>t</a:t>
+            </a:r>
+            <a:r>
+              <a:rPr lang="en-US" sz="2400" baseline="-25000" dirty="0" smtClean="0"/>
+              <a:t>k2</a:t>
+            </a:r>
+            <a:endParaRPr lang="en-US" sz="2400" baseline="-25000" dirty="0"/>
+          </a:p>
+        </p:txBody>
+      </p:sp>
+      <p:sp>
+        <p:nvSpPr>
+          <p:cNvPr id="14" name="TextBox 13"/>
+          <p:cNvSpPr txBox="1"/>
+          <p:nvPr/>
+        </p:nvSpPr>
+        <p:spPr>
+          <a:xfrm>
+            <a:off x="2278053" y="5311565"/>
+            <a:ext cx="1719584" cy="461665"/>
+          </a:xfrm>
+          <a:prstGeom prst="rect">
+            <a:avLst/>
+          </a:prstGeom>
+          <a:noFill/>
+        </p:spPr>
+        <p:txBody>
+          <a:bodyPr wrap="square" rtlCol="0">
+            <a:spAutoFit/>
+          </a:bodyPr>
+          <a:lstStyle/>
+          <a:p>
+            <a:r>
+              <a:rPr lang="en-US" sz="2400" dirty="0" err="1" smtClean="0"/>
+              <a:t>t</a:t>
+            </a:r>
+            <a:r>
+              <a:rPr lang="en-US" sz="2400" baseline="-25000" dirty="0" err="1" smtClean="0"/>
+              <a:t>k</a:t>
+            </a:r>
+            <a:r>
+              <a:rPr lang="en-US" sz="2400" dirty="0" smtClean="0"/>
+              <a:t>+</a:t>
+            </a:r>
+            <a:r>
+              <a:rPr lang="el-GR" sz="2400" dirty="0" smtClean="0"/>
+              <a:t>δ</a:t>
+            </a:r>
+            <a:r>
+              <a:rPr lang="en-US" sz="2400" baseline="-25000" dirty="0" smtClean="0"/>
+              <a:t>k</a:t>
+            </a:r>
+            <a:r>
+              <a:rPr lang="en-US" sz="2400" dirty="0" smtClean="0"/>
+              <a:t>+</a:t>
+            </a:r>
+            <a:r>
+              <a:rPr lang="el-GR" sz="2400" dirty="0" smtClean="0"/>
+              <a:t>τ</a:t>
+            </a:r>
+            <a:r>
+              <a:rPr lang="en-US" sz="2400" baseline="-25000" dirty="0" smtClean="0"/>
+              <a:t>k</a:t>
+            </a:r>
+            <a:endParaRPr lang="en-US" sz="2400" baseline="-25000" dirty="0"/>
+          </a:p>
+        </p:txBody>
+      </p:sp>
+      <p:sp>
+        <p:nvSpPr>
+          <p:cNvPr id="34" name="TextBox 33"/>
+          <p:cNvSpPr txBox="1"/>
+          <p:nvPr/>
+        </p:nvSpPr>
+        <p:spPr>
+          <a:xfrm>
+            <a:off x="5053764" y="5304603"/>
+            <a:ext cx="3105401" cy="461665"/>
+          </a:xfrm>
+          <a:prstGeom prst="rect">
+            <a:avLst/>
+          </a:prstGeom>
+          <a:noFill/>
+        </p:spPr>
+        <p:txBody>
+          <a:bodyPr wrap="square" rtlCol="0">
+            <a:spAutoFit/>
+          </a:bodyPr>
+          <a:lstStyle/>
+          <a:p>
+            <a:r>
+              <a:rPr lang="en-US" sz="2400" dirty="0" smtClean="0"/>
+              <a:t>t</a:t>
+            </a:r>
+            <a:r>
+              <a:rPr lang="en-US" sz="2400" baseline="-25000" dirty="0" smtClean="0"/>
+              <a:t>k+1</a:t>
+            </a:r>
+            <a:r>
+              <a:rPr lang="en-US" sz="2400" dirty="0" smtClean="0"/>
+              <a:t>+</a:t>
+            </a:r>
+            <a:r>
+              <a:rPr lang="el-GR" sz="2400" dirty="0" smtClean="0"/>
+              <a:t>δ</a:t>
+            </a:r>
+            <a:r>
+              <a:rPr lang="en-US" sz="2400" baseline="-25000" dirty="0" smtClean="0"/>
+              <a:t>k+1</a:t>
+            </a:r>
+            <a:r>
+              <a:rPr lang="en-US" sz="2400" dirty="0" smtClean="0"/>
+              <a:t>+</a:t>
+            </a:r>
+            <a:r>
+              <a:rPr lang="el-GR" sz="2400" dirty="0" smtClean="0"/>
+              <a:t>τ</a:t>
+            </a:r>
+            <a:r>
+              <a:rPr lang="en-US" sz="2400" baseline="-25000" dirty="0" smtClean="0"/>
+              <a:t>k+1</a:t>
+            </a:r>
+            <a:endParaRPr lang="en-US" sz="2400" baseline="-25000" dirty="0"/>
+          </a:p>
+        </p:txBody>
+      </p:sp>
       <p:cxnSp>
         <p:nvCxnSpPr>
-          <p:cNvPr id="18" name="Straight Arrow Connector 17"/>
+          <p:cNvPr id="21" name="Straight Arrow Connector 20"/>
           <p:cNvCxnSpPr/>
           <p:nvPr/>
         </p:nvCxnSpPr>
         <p:spPr>
           <a:xfrm flipV="1">
-            <a:off x="1113114" y="4359015"/>
-            <a:ext cx="0" cy="956474"/>
+            <a:off x="6088966" y="4193498"/>
+            <a:ext cx="0" cy="1091832"/>
           </a:xfrm>
           <a:prstGeom prst="straightConnector1">
             <a:avLst/>
@@ -3272,296 +3952,6 @@
           </a:fontRef>
         </p:style>
       </p:cxnSp>
-      <p:sp>
-        <p:nvSpPr>
-          <p:cNvPr id="19" name="TextBox 18"/>
-          <p:cNvSpPr txBox="1"/>
-          <p:nvPr/>
-        </p:nvSpPr>
-        <p:spPr>
-          <a:xfrm>
-            <a:off x="2777104" y="6068123"/>
-            <a:ext cx="2145683" cy="461665"/>
-          </a:xfrm>
-          <a:prstGeom prst="rect">
-            <a:avLst/>
-          </a:prstGeom>
-          <a:noFill/>
-        </p:spPr>
-        <p:txBody>
-          <a:bodyPr wrap="square" rtlCol="0">
-            <a:spAutoFit/>
-          </a:bodyPr>
-          <a:lstStyle/>
-          <a:p>
-            <a:r>
-              <a:rPr lang="en-US" sz="2400" dirty="0" smtClean="0"/>
-              <a:t>ACTUATE</a:t>
-            </a:r>
-            <a:endParaRPr lang="en-US" sz="2400" dirty="0"/>
-          </a:p>
-        </p:txBody>
-      </p:sp>
-      <p:sp>
-        <p:nvSpPr>
-          <p:cNvPr id="20" name="TextBox 19"/>
-          <p:cNvSpPr txBox="1"/>
-          <p:nvPr/>
-        </p:nvSpPr>
-        <p:spPr>
-          <a:xfrm>
-            <a:off x="956118" y="3897350"/>
-            <a:ext cx="1332821" cy="461665"/>
-          </a:xfrm>
-          <a:prstGeom prst="rect">
-            <a:avLst/>
-          </a:prstGeom>
-          <a:noFill/>
-        </p:spPr>
-        <p:txBody>
-          <a:bodyPr wrap="square" rtlCol="0">
-            <a:spAutoFit/>
-          </a:bodyPr>
-          <a:lstStyle/>
-          <a:p>
-            <a:r>
-              <a:rPr lang="en-US" sz="2400" dirty="0" smtClean="0"/>
-              <a:t>SENSE</a:t>
-            </a:r>
-            <a:endParaRPr lang="en-US" sz="2400" dirty="0"/>
-          </a:p>
-        </p:txBody>
-      </p:sp>
-      <p:cxnSp>
-        <p:nvCxnSpPr>
-          <p:cNvPr id="21" name="Straight Arrow Connector 20"/>
-          <p:cNvCxnSpPr/>
-          <p:nvPr/>
-        </p:nvCxnSpPr>
-        <p:spPr>
-          <a:xfrm>
-            <a:off x="5610389" y="5299777"/>
-            <a:ext cx="0" cy="878075"/>
-          </a:xfrm>
-          <a:prstGeom prst="straightConnector1">
-            <a:avLst/>
-          </a:prstGeom>
-          <a:ln>
-            <a:solidFill>
-              <a:srgbClr val="000000"/>
-            </a:solidFill>
-            <a:tailEnd type="arrow"/>
-          </a:ln>
-        </p:spPr>
-        <p:style>
-          <a:lnRef idx="2">
-            <a:schemeClr val="accent1"/>
-          </a:lnRef>
-          <a:fillRef idx="0">
-            <a:schemeClr val="accent1"/>
-          </a:fillRef>
-          <a:effectRef idx="1">
-            <a:schemeClr val="accent1"/>
-          </a:effectRef>
-          <a:fontRef idx="minor">
-            <a:schemeClr val="tx1"/>
-          </a:fontRef>
-        </p:style>
-      </p:cxnSp>
-      <p:cxnSp>
-        <p:nvCxnSpPr>
-          <p:cNvPr id="22" name="Straight Arrow Connector 21"/>
-          <p:cNvCxnSpPr/>
-          <p:nvPr/>
-        </p:nvCxnSpPr>
-        <p:spPr>
-          <a:xfrm flipV="1">
-            <a:off x="3773941" y="4374663"/>
-            <a:ext cx="0" cy="956474"/>
-          </a:xfrm>
-          <a:prstGeom prst="straightConnector1">
-            <a:avLst/>
-          </a:prstGeom>
-          <a:ln>
-            <a:solidFill>
-              <a:srgbClr val="000000"/>
-            </a:solidFill>
-            <a:tailEnd type="arrow"/>
-          </a:ln>
-        </p:spPr>
-        <p:style>
-          <a:lnRef idx="2">
-            <a:schemeClr val="accent1"/>
-          </a:lnRef>
-          <a:fillRef idx="0">
-            <a:schemeClr val="accent1"/>
-          </a:fillRef>
-          <a:effectRef idx="1">
-            <a:schemeClr val="accent1"/>
-          </a:effectRef>
-          <a:fontRef idx="minor">
-            <a:schemeClr val="tx1"/>
-          </a:fontRef>
-        </p:style>
-      </p:cxnSp>
-      <p:sp>
-        <p:nvSpPr>
-          <p:cNvPr id="23" name="TextBox 22"/>
-          <p:cNvSpPr txBox="1"/>
-          <p:nvPr/>
-        </p:nvSpPr>
-        <p:spPr>
-          <a:xfrm>
-            <a:off x="5437931" y="6083771"/>
-            <a:ext cx="1554309" cy="461665"/>
-          </a:xfrm>
-          <a:prstGeom prst="rect">
-            <a:avLst/>
-          </a:prstGeom>
-          <a:noFill/>
-        </p:spPr>
-        <p:txBody>
-          <a:bodyPr wrap="square" rtlCol="0">
-            <a:spAutoFit/>
-          </a:bodyPr>
-          <a:lstStyle/>
-          <a:p>
-            <a:r>
-              <a:rPr lang="en-US" sz="2400" dirty="0" smtClean="0"/>
-              <a:t>ACTUATE</a:t>
-            </a:r>
-            <a:endParaRPr lang="en-US" sz="2400" dirty="0"/>
-          </a:p>
-        </p:txBody>
-      </p:sp>
-      <p:sp>
-        <p:nvSpPr>
-          <p:cNvPr id="24" name="TextBox 23"/>
-          <p:cNvSpPr txBox="1"/>
-          <p:nvPr/>
-        </p:nvSpPr>
-        <p:spPr>
-          <a:xfrm>
-            <a:off x="3616945" y="3912998"/>
-            <a:ext cx="1332821" cy="461665"/>
-          </a:xfrm>
-          <a:prstGeom prst="rect">
-            <a:avLst/>
-          </a:prstGeom>
-          <a:noFill/>
-        </p:spPr>
-        <p:txBody>
-          <a:bodyPr wrap="square" rtlCol="0">
-            <a:spAutoFit/>
-          </a:bodyPr>
-          <a:lstStyle/>
-          <a:p>
-            <a:r>
-              <a:rPr lang="en-US" sz="2400" dirty="0" smtClean="0"/>
-              <a:t>SENSE</a:t>
-            </a:r>
-            <a:endParaRPr lang="en-US" sz="2400" dirty="0"/>
-          </a:p>
-        </p:txBody>
-      </p:sp>
-      <p:sp>
-        <p:nvSpPr>
-          <p:cNvPr id="25" name="Rectangle 24"/>
-          <p:cNvSpPr/>
-          <p:nvPr/>
-        </p:nvSpPr>
-        <p:spPr>
-          <a:xfrm>
-            <a:off x="3796159" y="4651546"/>
-            <a:ext cx="1814230" cy="643370"/>
-          </a:xfrm>
-          <a:prstGeom prst="rect">
-            <a:avLst/>
-          </a:prstGeom>
-          <a:solidFill>
-            <a:schemeClr val="bg2"/>
-          </a:solidFill>
-          <a:ln>
-            <a:solidFill>
-              <a:srgbClr val="000000"/>
-            </a:solidFill>
-          </a:ln>
-        </p:spPr>
-        <p:style>
-          <a:lnRef idx="1">
-            <a:schemeClr val="accent1"/>
-          </a:lnRef>
-          <a:fillRef idx="3">
-            <a:schemeClr val="accent1"/>
-          </a:fillRef>
-          <a:effectRef idx="2">
-            <a:schemeClr val="accent1"/>
-          </a:effectRef>
-          <a:fontRef idx="minor">
-            <a:schemeClr val="lt1"/>
-          </a:fontRef>
-        </p:style>
-        <p:txBody>
-          <a:bodyPr rtlCol="0" anchor="ctr"/>
-          <a:lstStyle/>
-          <a:p>
-            <a:pPr algn="ctr"/>
-            <a:r>
-              <a:rPr lang="en-US" sz="2400" dirty="0" smtClean="0">
-                <a:ln>
-                  <a:solidFill>
-                    <a:schemeClr val="tx1"/>
-                  </a:solidFill>
-                </a:ln>
-                <a:solidFill>
-                  <a:schemeClr val="tx1"/>
-                </a:solidFill>
-              </a:rPr>
-              <a:t>ESTIMATOR</a:t>
-            </a:r>
-            <a:endParaRPr lang="en-US" sz="2400" dirty="0">
-              <a:ln>
-                <a:solidFill>
-                  <a:schemeClr val="tx1"/>
-                </a:solidFill>
-              </a:ln>
-              <a:solidFill>
-                <a:schemeClr val="tx1"/>
-              </a:solidFill>
-            </a:endParaRPr>
-          </a:p>
-        </p:txBody>
-      </p:sp>
-      <p:sp>
-        <p:nvSpPr>
-          <p:cNvPr id="26" name="TextBox 25"/>
-          <p:cNvSpPr txBox="1"/>
-          <p:nvPr/>
-        </p:nvSpPr>
-        <p:spPr>
-          <a:xfrm>
-            <a:off x="7838853" y="5380692"/>
-            <a:ext cx="360586" cy="461665"/>
-          </a:xfrm>
-          <a:prstGeom prst="rect">
-            <a:avLst/>
-          </a:prstGeom>
-          <a:noFill/>
-        </p:spPr>
-        <p:txBody>
-          <a:bodyPr wrap="square" rtlCol="0">
-            <a:spAutoFit/>
-          </a:bodyPr>
-          <a:lstStyle/>
-          <a:p>
-            <a:r>
-              <a:rPr lang="en-US" sz="2400" i="1" dirty="0" smtClean="0"/>
-              <a:t>t</a:t>
-            </a:r>
-            <a:endParaRPr lang="en-US" sz="2400" i="1" dirty="0"/>
-          </a:p>
-        </p:txBody>
-      </p:sp>
     </p:spTree>
     <p:extLst>
       <p:ext uri="{BB962C8B-B14F-4D97-AF65-F5344CB8AC3E}">
@@ -4762,7 +5152,7 @@
   <p:timing>
     <p:tnLst>
       <p:par>
-        <p:cTn xmlns:p14="http://schemas.microsoft.com/office/powerpoint/2010/main" id="1" dur="indefinite" restart="never" nodeType="tmRoot"/>
+        <p:cTn id="1" dur="indefinite" restart="never" nodeType="tmRoot"/>
       </p:par>
     </p:tnLst>
   </p:timing>

--- a/RTSS15/Paper/RTSS15_Paper/figures/senseActuate.pptx
+++ b/RTSS15/Paper/RTSS15_Paper/figures/senseActuate.pptx
@@ -289,7 +289,7 @@
           <a:p>
             <a:fld id="{6438B9B7-B47A-9D4E-9850-8371A0E3764C}" type="datetimeFigureOut">
               <a:rPr lang="en-US" smtClean="0"/>
-              <a:t>5/15/2015</a:t>
+              <a:t>5/16/2015</a:t>
             </a:fld>
             <a:endParaRPr lang="en-US"/>
           </a:p>
@@ -459,7 +459,7 @@
           <a:p>
             <a:fld id="{6438B9B7-B47A-9D4E-9850-8371A0E3764C}" type="datetimeFigureOut">
               <a:rPr lang="en-US" smtClean="0"/>
-              <a:t>5/15/2015</a:t>
+              <a:t>5/16/2015</a:t>
             </a:fld>
             <a:endParaRPr lang="en-US"/>
           </a:p>
@@ -639,7 +639,7 @@
           <a:p>
             <a:fld id="{6438B9B7-B47A-9D4E-9850-8371A0E3764C}" type="datetimeFigureOut">
               <a:rPr lang="en-US" smtClean="0"/>
-              <a:t>5/15/2015</a:t>
+              <a:t>5/16/2015</a:t>
             </a:fld>
             <a:endParaRPr lang="en-US"/>
           </a:p>
@@ -809,7 +809,7 @@
           <a:p>
             <a:fld id="{6438B9B7-B47A-9D4E-9850-8371A0E3764C}" type="datetimeFigureOut">
               <a:rPr lang="en-US" smtClean="0"/>
-              <a:t>5/15/2015</a:t>
+              <a:t>5/16/2015</a:t>
             </a:fld>
             <a:endParaRPr lang="en-US"/>
           </a:p>
@@ -1055,7 +1055,7 @@
           <a:p>
             <a:fld id="{6438B9B7-B47A-9D4E-9850-8371A0E3764C}" type="datetimeFigureOut">
               <a:rPr lang="en-US" smtClean="0"/>
-              <a:t>5/15/2015</a:t>
+              <a:t>5/16/2015</a:t>
             </a:fld>
             <a:endParaRPr lang="en-US"/>
           </a:p>
@@ -1343,7 +1343,7 @@
           <a:p>
             <a:fld id="{6438B9B7-B47A-9D4E-9850-8371A0E3764C}" type="datetimeFigureOut">
               <a:rPr lang="en-US" smtClean="0"/>
-              <a:t>5/15/2015</a:t>
+              <a:t>5/16/2015</a:t>
             </a:fld>
             <a:endParaRPr lang="en-US"/>
           </a:p>
@@ -1765,7 +1765,7 @@
           <a:p>
             <a:fld id="{6438B9B7-B47A-9D4E-9850-8371A0E3764C}" type="datetimeFigureOut">
               <a:rPr lang="en-US" smtClean="0"/>
-              <a:t>5/15/2015</a:t>
+              <a:t>5/16/2015</a:t>
             </a:fld>
             <a:endParaRPr lang="en-US"/>
           </a:p>
@@ -1883,7 +1883,7 @@
           <a:p>
             <a:fld id="{6438B9B7-B47A-9D4E-9850-8371A0E3764C}" type="datetimeFigureOut">
               <a:rPr lang="en-US" smtClean="0"/>
-              <a:t>5/15/2015</a:t>
+              <a:t>5/16/2015</a:t>
             </a:fld>
             <a:endParaRPr lang="en-US"/>
           </a:p>
@@ -1978,7 +1978,7 @@
           <a:p>
             <a:fld id="{6438B9B7-B47A-9D4E-9850-8371A0E3764C}" type="datetimeFigureOut">
               <a:rPr lang="en-US" smtClean="0"/>
-              <a:t>5/15/2015</a:t>
+              <a:t>5/16/2015</a:t>
             </a:fld>
             <a:endParaRPr lang="en-US"/>
           </a:p>
@@ -2255,7 +2255,7 @@
           <a:p>
             <a:fld id="{6438B9B7-B47A-9D4E-9850-8371A0E3764C}" type="datetimeFigureOut">
               <a:rPr lang="en-US" smtClean="0"/>
-              <a:t>5/15/2015</a:t>
+              <a:t>5/16/2015</a:t>
             </a:fld>
             <a:endParaRPr lang="en-US"/>
           </a:p>
@@ -2508,7 +2508,7 @@
           <a:p>
             <a:fld id="{6438B9B7-B47A-9D4E-9850-8371A0E3764C}" type="datetimeFigureOut">
               <a:rPr lang="en-US" smtClean="0"/>
-              <a:t>5/15/2015</a:t>
+              <a:t>5/16/2015</a:t>
             </a:fld>
             <a:endParaRPr lang="en-US"/>
           </a:p>
@@ -2721,7 +2721,7 @@
           <a:p>
             <a:fld id="{6438B9B7-B47A-9D4E-9850-8371A0E3764C}" type="datetimeFigureOut">
               <a:rPr lang="en-US" smtClean="0"/>
-              <a:t>5/15/2015</a:t>
+              <a:t>5/16/2015</a:t>
             </a:fld>
             <a:endParaRPr lang="en-US"/>
           </a:p>
@@ -3586,7 +3586,7 @@
         </p:nvSpPr>
         <p:spPr>
           <a:xfrm>
-            <a:off x="6327555" y="3804134"/>
+            <a:off x="6327555" y="3749704"/>
             <a:ext cx="1332821" cy="461665"/>
           </a:xfrm>
           <a:prstGeom prst="rect">
@@ -3676,7 +3676,7 @@
         </p:nvSpPr>
         <p:spPr>
           <a:xfrm>
-            <a:off x="5031992" y="3808165"/>
+            <a:off x="5031992" y="3764621"/>
             <a:ext cx="1332821" cy="461665"/>
           </a:xfrm>
           <a:prstGeom prst="rect">
@@ -3707,7 +3707,7 @@
         <p:spPr>
           <a:xfrm>
             <a:off x="988776" y="5300684"/>
-            <a:ext cx="666410" cy="461665"/>
+            <a:ext cx="666410" cy="584775"/>
           </a:xfrm>
           <a:prstGeom prst="rect">
             <a:avLst/>
@@ -3721,14 +3721,14 @@
           <a:lstStyle/>
           <a:p>
             <a:r>
-              <a:rPr lang="en-US" sz="2400" dirty="0" err="1" smtClean="0"/>
+              <a:rPr lang="en-US" sz="3200" dirty="0" err="1" smtClean="0"/>
               <a:t>t</a:t>
             </a:r>
             <a:r>
-              <a:rPr lang="en-US" sz="2400" baseline="-25000" dirty="0" err="1" smtClean="0"/>
-              <a:t>k</a:t>
-            </a:r>
-            <a:endParaRPr lang="en-US" baseline="-25000" dirty="0"/>
+              <a:rPr lang="en-US" sz="3200" baseline="-25000" dirty="0" err="1" smtClean="0"/>
+              <a:t>s,k</a:t>
+            </a:r>
+            <a:endParaRPr lang="en-US" sz="2400" baseline="-25000" dirty="0"/>
           </a:p>
         </p:txBody>
       </p:sp>
@@ -3740,8 +3740,8 @@
         </p:nvSpPr>
         <p:spPr>
           <a:xfrm>
-            <a:off x="3641657" y="5292954"/>
-            <a:ext cx="1242793" cy="461665"/>
+            <a:off x="3717859" y="5282068"/>
+            <a:ext cx="1242793" cy="584775"/>
           </a:xfrm>
           <a:prstGeom prst="rect">
             <a:avLst/>
@@ -3755,14 +3755,14 @@
           <a:lstStyle/>
           <a:p>
             <a:r>
-              <a:rPr lang="en-US" sz="2400" dirty="0" smtClean="0"/>
+              <a:rPr lang="en-US" sz="3200" dirty="0"/>
               <a:t>t</a:t>
             </a:r>
             <a:r>
-              <a:rPr lang="en-US" sz="2400" baseline="-25000" dirty="0" smtClean="0"/>
-              <a:t>k+1</a:t>
-            </a:r>
-            <a:endParaRPr lang="en-US" sz="2400" baseline="-25000" dirty="0"/>
+              <a:rPr lang="en-US" sz="3200" baseline="-25000" dirty="0" smtClean="0"/>
+              <a:t>s,k+1</a:t>
+            </a:r>
+            <a:endParaRPr lang="en-US" sz="3200" baseline="-25000" dirty="0"/>
           </a:p>
         </p:txBody>
       </p:sp>
@@ -3808,8 +3808,8 @@
         </p:nvSpPr>
         <p:spPr>
           <a:xfrm>
-            <a:off x="2278053" y="5311565"/>
-            <a:ext cx="1719584" cy="461665"/>
+            <a:off x="2092991" y="5278907"/>
+            <a:ext cx="1719584" cy="584775"/>
           </a:xfrm>
           <a:prstGeom prst="rect">
             <a:avLst/>
@@ -3823,38 +3823,38 @@
           <a:lstStyle/>
           <a:p>
             <a:r>
-              <a:rPr lang="en-US" sz="2400" dirty="0" err="1" smtClean="0"/>
+              <a:rPr lang="en-US" sz="3200" dirty="0" err="1"/>
               <a:t>t</a:t>
             </a:r>
             <a:r>
-              <a:rPr lang="en-US" sz="2400" baseline="-25000" dirty="0" err="1" smtClean="0"/>
+              <a:rPr lang="en-US" sz="3200" baseline="-25000" dirty="0" err="1" smtClean="0"/>
+              <a:t>s,k</a:t>
+            </a:r>
+            <a:r>
+              <a:rPr lang="en-US" sz="3200" dirty="0" smtClean="0"/>
+              <a:t>+</a:t>
+            </a:r>
+            <a:r>
+              <a:rPr lang="el-GR" sz="3200" dirty="0" smtClean="0"/>
+              <a:t>δ</a:t>
+            </a:r>
+            <a:r>
+              <a:rPr lang="en-US" sz="3200" baseline="-25000" dirty="0" smtClean="0"/>
               <a:t>k</a:t>
             </a:r>
             <a:r>
-              <a:rPr lang="en-US" sz="2400" dirty="0" smtClean="0"/>
+              <a:rPr lang="en-US" sz="3200" dirty="0" smtClean="0"/>
               <a:t>+</a:t>
             </a:r>
             <a:r>
-              <a:rPr lang="el-GR" sz="2400" dirty="0" smtClean="0"/>
-              <a:t>δ</a:t>
-            </a:r>
-            <a:r>
-              <a:rPr lang="en-US" sz="2400" baseline="-25000" dirty="0" smtClean="0"/>
+              <a:rPr lang="el-GR" sz="3200" dirty="0" smtClean="0"/>
+              <a:t>τ</a:t>
+            </a:r>
+            <a:r>
+              <a:rPr lang="en-US" sz="3200" baseline="-25000" dirty="0" smtClean="0"/>
               <a:t>k</a:t>
             </a:r>
-            <a:r>
-              <a:rPr lang="en-US" sz="2400" dirty="0" smtClean="0"/>
-              <a:t>+</a:t>
-            </a:r>
-            <a:r>
-              <a:rPr lang="el-GR" sz="2400" dirty="0" smtClean="0"/>
-              <a:t>τ</a:t>
-            </a:r>
-            <a:r>
-              <a:rPr lang="en-US" sz="2400" baseline="-25000" dirty="0" smtClean="0"/>
-              <a:t>k</a:t>
-            </a:r>
-            <a:endParaRPr lang="en-US" sz="2400" baseline="-25000" dirty="0"/>
+            <a:endParaRPr lang="en-US" sz="3200" baseline="-25000" dirty="0"/>
           </a:p>
         </p:txBody>
       </p:sp>
@@ -3867,7 +3867,7 @@
         <p:spPr>
           <a:xfrm>
             <a:off x="5053764" y="5304603"/>
-            <a:ext cx="3105401" cy="461665"/>
+            <a:ext cx="3105401" cy="584775"/>
           </a:xfrm>
           <a:prstGeom prst="rect">
             <a:avLst/>
@@ -3881,38 +3881,38 @@
           <a:lstStyle/>
           <a:p>
             <a:r>
-              <a:rPr lang="en-US" sz="2400" dirty="0" smtClean="0"/>
+              <a:rPr lang="en-US" sz="3200" dirty="0" smtClean="0"/>
               <a:t>t</a:t>
             </a:r>
             <a:r>
-              <a:rPr lang="en-US" sz="2400" baseline="-25000" dirty="0" smtClean="0"/>
+              <a:rPr lang="en-US" sz="3200" baseline="-25000" dirty="0" smtClean="0"/>
+              <a:t>s,k+1</a:t>
+            </a:r>
+            <a:r>
+              <a:rPr lang="en-US" sz="3200" dirty="0" smtClean="0"/>
+              <a:t>+</a:t>
+            </a:r>
+            <a:r>
+              <a:rPr lang="el-GR" sz="3200" dirty="0" smtClean="0"/>
+              <a:t>δ</a:t>
+            </a:r>
+            <a:r>
+              <a:rPr lang="en-US" sz="3200" baseline="-25000" dirty="0" smtClean="0"/>
               <a:t>k+1</a:t>
             </a:r>
             <a:r>
-              <a:rPr lang="en-US" sz="2400" dirty="0" smtClean="0"/>
+              <a:rPr lang="en-US" sz="3200" dirty="0" smtClean="0"/>
               <a:t>+</a:t>
             </a:r>
             <a:r>
-              <a:rPr lang="el-GR" sz="2400" dirty="0" smtClean="0"/>
-              <a:t>δ</a:t>
-            </a:r>
-            <a:r>
-              <a:rPr lang="en-US" sz="2400" baseline="-25000" dirty="0" smtClean="0"/>
+              <a:rPr lang="el-GR" sz="3200" dirty="0" smtClean="0"/>
+              <a:t>τ</a:t>
+            </a:r>
+            <a:r>
+              <a:rPr lang="en-US" sz="3200" baseline="-25000" dirty="0" smtClean="0"/>
               <a:t>k+1</a:t>
             </a:r>
-            <a:r>
-              <a:rPr lang="en-US" sz="2400" dirty="0" smtClean="0"/>
-              <a:t>+</a:t>
-            </a:r>
-            <a:r>
-              <a:rPr lang="el-GR" sz="2400" dirty="0" smtClean="0"/>
-              <a:t>τ</a:t>
-            </a:r>
-            <a:r>
-              <a:rPr lang="en-US" sz="2400" baseline="-25000" dirty="0" smtClean="0"/>
-              <a:t>k+1</a:t>
-            </a:r>
-            <a:endParaRPr lang="en-US" sz="2400" baseline="-25000" dirty="0"/>
+            <a:endParaRPr lang="en-US" sz="3200" baseline="-25000" dirty="0"/>
           </a:p>
         </p:txBody>
       </p:sp>
